--- a/design/ppt/Marconi-Civitavecchia-2020.pptx
+++ b/design/ppt/Marconi-Civitavecchia-2020.pptx
@@ -119,6 +119,7 @@
 <p1510:revInfo xmlns:a="http://schemas.openxmlformats.org/drawingml/2006/main" xmlns:r="http://schemas.openxmlformats.org/officeDocument/2006/relationships" xmlns:p1510="http://schemas.microsoft.com/office/powerpoint/2015/10/main">
   <p1510:revLst>
     <p1510:client id="{D983F646-0F3D-43AB-909E-43CD1CBACDAB}" v="67" dt="2020-02-15T21:52:10.023"/>
+    <p1510:client id="{DA718CAE-624B-49E2-B12B-BABA4DEB5C3F}" v="30" dt="2020-02-16T11:40:01.843"/>
     <p1510:client id="{DDDF78B0-10E1-42FF-8BB6-D59C12127ED0}" v="11" dt="2020-02-15T21:58:21.733"/>
   </p1510:revLst>
 </p1510:revInfo>
@@ -255,7 +256,7 @@
           <a:p>
             <a:fld id="{F64A8E5F-40E5-4553-9F3C-699F1A5B8145}" type="datetimeFigureOut">
               <a:rPr lang="de-DE" smtClean="0"/>
-              <a:t>15.02.2020</a:t>
+              <a:t>16.02.2020</a:t>
             </a:fld>
             <a:endParaRPr lang="de-DE"/>
           </a:p>
@@ -425,7 +426,7 @@
           <a:p>
             <a:fld id="{F64A8E5F-40E5-4553-9F3C-699F1A5B8145}" type="datetimeFigureOut">
               <a:rPr lang="de-DE" smtClean="0"/>
-              <a:t>15.02.2020</a:t>
+              <a:t>16.02.2020</a:t>
             </a:fld>
             <a:endParaRPr lang="de-DE"/>
           </a:p>
@@ -605,7 +606,7 @@
           <a:p>
             <a:fld id="{F64A8E5F-40E5-4553-9F3C-699F1A5B8145}" type="datetimeFigureOut">
               <a:rPr lang="de-DE" smtClean="0"/>
-              <a:t>15.02.2020</a:t>
+              <a:t>16.02.2020</a:t>
             </a:fld>
             <a:endParaRPr lang="de-DE"/>
           </a:p>
@@ -775,7 +776,7 @@
           <a:p>
             <a:fld id="{F64A8E5F-40E5-4553-9F3C-699F1A5B8145}" type="datetimeFigureOut">
               <a:rPr lang="de-DE" smtClean="0"/>
-              <a:t>15.02.2020</a:t>
+              <a:t>16.02.2020</a:t>
             </a:fld>
             <a:endParaRPr lang="de-DE"/>
           </a:p>
@@ -1021,7 +1022,7 @@
           <a:p>
             <a:fld id="{F64A8E5F-40E5-4553-9F3C-699F1A5B8145}" type="datetimeFigureOut">
               <a:rPr lang="de-DE" smtClean="0"/>
-              <a:t>15.02.2020</a:t>
+              <a:t>16.02.2020</a:t>
             </a:fld>
             <a:endParaRPr lang="de-DE"/>
           </a:p>
@@ -1253,7 +1254,7 @@
           <a:p>
             <a:fld id="{F64A8E5F-40E5-4553-9F3C-699F1A5B8145}" type="datetimeFigureOut">
               <a:rPr lang="de-DE" smtClean="0"/>
-              <a:t>15.02.2020</a:t>
+              <a:t>16.02.2020</a:t>
             </a:fld>
             <a:endParaRPr lang="de-DE"/>
           </a:p>
@@ -1620,7 +1621,7 @@
           <a:p>
             <a:fld id="{F64A8E5F-40E5-4553-9F3C-699F1A5B8145}" type="datetimeFigureOut">
               <a:rPr lang="de-DE" smtClean="0"/>
-              <a:t>15.02.2020</a:t>
+              <a:t>16.02.2020</a:t>
             </a:fld>
             <a:endParaRPr lang="de-DE"/>
           </a:p>
@@ -1738,7 +1739,7 @@
           <a:p>
             <a:fld id="{F64A8E5F-40E5-4553-9F3C-699F1A5B8145}" type="datetimeFigureOut">
               <a:rPr lang="de-DE" smtClean="0"/>
-              <a:t>15.02.2020</a:t>
+              <a:t>16.02.2020</a:t>
             </a:fld>
             <a:endParaRPr lang="de-DE"/>
           </a:p>
@@ -1833,7 +1834,7 @@
           <a:p>
             <a:fld id="{F64A8E5F-40E5-4553-9F3C-699F1A5B8145}" type="datetimeFigureOut">
               <a:rPr lang="de-DE" smtClean="0"/>
-              <a:t>15.02.2020</a:t>
+              <a:t>16.02.2020</a:t>
             </a:fld>
             <a:endParaRPr lang="de-DE"/>
           </a:p>
@@ -2110,7 +2111,7 @@
           <a:p>
             <a:fld id="{F64A8E5F-40E5-4553-9F3C-699F1A5B8145}" type="datetimeFigureOut">
               <a:rPr lang="de-DE" smtClean="0"/>
-              <a:t>15.02.2020</a:t>
+              <a:t>16.02.2020</a:t>
             </a:fld>
             <a:endParaRPr lang="de-DE"/>
           </a:p>
@@ -2363,7 +2364,7 @@
           <a:p>
             <a:fld id="{F64A8E5F-40E5-4553-9F3C-699F1A5B8145}" type="datetimeFigureOut">
               <a:rPr lang="de-DE" smtClean="0"/>
-              <a:t>15.02.2020</a:t>
+              <a:t>16.02.2020</a:t>
             </a:fld>
             <a:endParaRPr lang="de-DE"/>
           </a:p>
@@ -2576,7 +2577,7 @@
           <a:p>
             <a:fld id="{F64A8E5F-40E5-4553-9F3C-699F1A5B8145}" type="datetimeFigureOut">
               <a:rPr lang="de-DE" smtClean="0"/>
-              <a:t>15.02.2020</a:t>
+              <a:t>16.02.2020</a:t>
             </a:fld>
             <a:endParaRPr lang="de-DE"/>
           </a:p>
@@ -3123,6 +3124,36 @@
           </a:prstGeom>
         </p:spPr>
       </p:pic>
+      <p:pic>
+        <p:nvPicPr>
+          <p:cNvPr id="3" name="Immagine 4" descr="Immagine che contiene screenshot&#10;&#10;Descrizione generata con affidabilità molto elevata">
+            <a:extLst>
+              <a:ext uri="{FF2B5EF4-FFF2-40B4-BE49-F238E27FC236}">
+                <a16:creationId xmlns:a16="http://schemas.microsoft.com/office/drawing/2014/main" id="{85D76636-0C0E-470B-A1CE-1ED64E05BA26}"/>
+              </a:ext>
+            </a:extLst>
+          </p:cNvPr>
+          <p:cNvPicPr>
+            <a:picLocks noChangeAspect="1"/>
+          </p:cNvPicPr>
+          <p:nvPr/>
+        </p:nvPicPr>
+        <p:blipFill>
+          <a:blip r:embed="rId5"/>
+          <a:stretch>
+            <a:fillRect/>
+          </a:stretch>
+        </p:blipFill>
+        <p:spPr>
+          <a:xfrm>
+            <a:off x="4848073" y="2111329"/>
+            <a:ext cx="5595300" cy="4112887"/>
+          </a:xfrm>
+          <a:prstGeom prst="rect">
+            <a:avLst/>
+          </a:prstGeom>
+        </p:spPr>
+      </p:pic>
     </p:spTree>
     <p:extLst>
       <p:ext uri="{BB962C8B-B14F-4D97-AF65-F5344CB8AC3E}">
@@ -3188,6 +3219,36 @@
           <a:xfrm>
             <a:off x="3026466" y="563057"/>
             <a:ext cx="6130786" cy="447581"/>
+          </a:xfrm>
+          <a:prstGeom prst="rect">
+            <a:avLst/>
+          </a:prstGeom>
+        </p:spPr>
+      </p:pic>
+      <p:pic>
+        <p:nvPicPr>
+          <p:cNvPr id="3" name="Immagine 3" descr="Immagine che contiene bottiglia, fotografia, tavolo, telefono&#10;&#10;Descrizione generata con affidabilità molto elevata">
+            <a:extLst>
+              <a:ext uri="{FF2B5EF4-FFF2-40B4-BE49-F238E27FC236}">
+                <a16:creationId xmlns:a16="http://schemas.microsoft.com/office/drawing/2014/main" id="{0D4DDE2A-0841-49DA-8EB5-F60AC900C247}"/>
+              </a:ext>
+            </a:extLst>
+          </p:cNvPr>
+          <p:cNvPicPr>
+            <a:picLocks noChangeAspect="1"/>
+          </p:cNvPicPr>
+          <p:nvPr/>
+        </p:nvPicPr>
+        <p:blipFill>
+          <a:blip r:embed="rId4"/>
+          <a:stretch>
+            <a:fillRect/>
+          </a:stretch>
+        </p:blipFill>
+        <p:spPr>
+          <a:xfrm>
+            <a:off x="2115184" y="1829894"/>
+            <a:ext cx="8560126" cy="1823883"/>
           </a:xfrm>
           <a:prstGeom prst="rect">
             <a:avLst/>

--- a/design/ppt/Marconi-Civitavecchia-2020.pptx
+++ b/design/ppt/Marconi-Civitavecchia-2020.pptx
@@ -6,9 +6,9 @@
   </p:sldMasterIdLst>
   <p:sldIdLst>
     <p:sldId id="256" r:id="rId2"/>
-    <p:sldId id="257" r:id="rId3"/>
-    <p:sldId id="258" r:id="rId4"/>
-    <p:sldId id="259" r:id="rId5"/>
+    <p:sldId id="258" r:id="rId3"/>
+    <p:sldId id="259" r:id="rId4"/>
+    <p:sldId id="260" r:id="rId5"/>
   </p:sldIdLst>
   <p:sldSz cx="12192000" cy="6858000"/>
   <p:notesSz cx="6858000" cy="9144000"/>
@@ -118,6 +118,7 @@
 <file path=ppt/revisionInfo.xml><?xml version="1.0" encoding="utf-8"?>
 <p1510:revInfo xmlns:a="http://schemas.openxmlformats.org/drawingml/2006/main" xmlns:r="http://schemas.openxmlformats.org/officeDocument/2006/relationships" xmlns:p1510="http://schemas.microsoft.com/office/powerpoint/2015/10/main">
   <p1510:revLst>
+    <p1510:client id="{B5CC36A9-C342-4174-AB18-47A1DDF5ACAE}" v="19" dt="2020-02-16T14:11:46.238"/>
     <p1510:client id="{D983F646-0F3D-43AB-909E-43CD1CBACDAB}" v="67" dt="2020-02-15T21:52:10.023"/>
     <p1510:client id="{DA718CAE-624B-49E2-B12B-BABA4DEB5C3F}" v="30" dt="2020-02-16T11:40:01.843"/>
     <p1510:client id="{DDDF78B0-10E1-42FF-8BB6-D59C12127ED0}" v="11" dt="2020-02-15T21:58:21.733"/>
@@ -2993,36 +2994,6 @@
           <a:chExt cx="0" cy="0"/>
         </a:xfrm>
       </p:grpSpPr>
-      <p:pic>
-        <p:nvPicPr>
-          <p:cNvPr id="5" name="Immagine 5" descr="Immagine che contiene uccello&#10;&#10;Descrizione generata con affidabilità molto elevata">
-            <a:extLst>
-              <a:ext uri="{FF2B5EF4-FFF2-40B4-BE49-F238E27FC236}">
-                <a16:creationId xmlns:a16="http://schemas.microsoft.com/office/drawing/2014/main" id="{F931B083-08B1-4522-9322-312FA680ADBD}"/>
-              </a:ext>
-            </a:extLst>
-          </p:cNvPr>
-          <p:cNvPicPr>
-            <a:picLocks noChangeAspect="1"/>
-          </p:cNvPicPr>
-          <p:nvPr/>
-        </p:nvPicPr>
-        <p:blipFill>
-          <a:blip r:embed="rId3"/>
-          <a:stretch>
-            <a:fillRect/>
-          </a:stretch>
-        </p:blipFill>
-        <p:spPr>
-          <a:xfrm>
-            <a:off x="731846" y="4022965"/>
-            <a:ext cx="9027458" cy="2242904"/>
-          </a:xfrm>
-          <a:prstGeom prst="rect">
-            <a:avLst/>
-          </a:prstGeom>
-        </p:spPr>
-      </p:pic>
     </p:spTree>
     <p:extLst>
       <p:ext uri="{BB962C8B-B14F-4D97-AF65-F5344CB8AC3E}">
@@ -3064,100 +3035,10 @@
           <a:chExt cx="0" cy="0"/>
         </a:xfrm>
       </p:grpSpPr>
-      <p:pic>
-        <p:nvPicPr>
-          <p:cNvPr id="2" name="Immagine 2" descr="Immagine che contiene testo, cibo&#10;&#10;Descrizione generata con affidabilità molto elevata">
-            <a:extLst>
-              <a:ext uri="{FF2B5EF4-FFF2-40B4-BE49-F238E27FC236}">
-                <a16:creationId xmlns:a16="http://schemas.microsoft.com/office/drawing/2014/main" id="{A07C04DF-BB53-4AB1-A25A-52824E40A260}"/>
-              </a:ext>
-            </a:extLst>
-          </p:cNvPr>
-          <p:cNvPicPr>
-            <a:picLocks noChangeAspect="1"/>
-          </p:cNvPicPr>
-          <p:nvPr/>
-        </p:nvPicPr>
-        <p:blipFill>
-          <a:blip r:embed="rId3"/>
-          <a:stretch>
-            <a:fillRect/>
-          </a:stretch>
-        </p:blipFill>
-        <p:spPr>
-          <a:xfrm>
-            <a:off x="399235" y="2736922"/>
-            <a:ext cx="3469341" cy="4107186"/>
-          </a:xfrm>
-          <a:prstGeom prst="rect">
-            <a:avLst/>
-          </a:prstGeom>
-        </p:spPr>
-      </p:pic>
-      <p:pic>
-        <p:nvPicPr>
-          <p:cNvPr id="4" name="Immagine 4" descr="Immagine che contiene disegnando&#10;&#10;Descrizione generata con affidabilità molto elevata">
-            <a:extLst>
-              <a:ext uri="{FF2B5EF4-FFF2-40B4-BE49-F238E27FC236}">
-                <a16:creationId xmlns:a16="http://schemas.microsoft.com/office/drawing/2014/main" id="{A9D1EFB6-55D8-4FAA-99F3-0FF375196A05}"/>
-              </a:ext>
-            </a:extLst>
-          </p:cNvPr>
-          <p:cNvPicPr>
-            <a:picLocks noChangeAspect="1"/>
-          </p:cNvPicPr>
-          <p:nvPr/>
-        </p:nvPicPr>
-        <p:blipFill>
-          <a:blip r:embed="rId4"/>
-          <a:stretch>
-            <a:fillRect/>
-          </a:stretch>
-        </p:blipFill>
-        <p:spPr>
-          <a:xfrm>
-            <a:off x="4872038" y="723072"/>
-            <a:ext cx="2447925" cy="723900"/>
-          </a:xfrm>
-          <a:prstGeom prst="rect">
-            <a:avLst/>
-          </a:prstGeom>
-        </p:spPr>
-      </p:pic>
-      <p:pic>
-        <p:nvPicPr>
-          <p:cNvPr id="3" name="Immagine 4" descr="Immagine che contiene screenshot&#10;&#10;Descrizione generata con affidabilità molto elevata">
-            <a:extLst>
-              <a:ext uri="{FF2B5EF4-FFF2-40B4-BE49-F238E27FC236}">
-                <a16:creationId xmlns:a16="http://schemas.microsoft.com/office/drawing/2014/main" id="{85D76636-0C0E-470B-A1CE-1ED64E05BA26}"/>
-              </a:ext>
-            </a:extLst>
-          </p:cNvPr>
-          <p:cNvPicPr>
-            <a:picLocks noChangeAspect="1"/>
-          </p:cNvPicPr>
-          <p:nvPr/>
-        </p:nvPicPr>
-        <p:blipFill>
-          <a:blip r:embed="rId5"/>
-          <a:stretch>
-            <a:fillRect/>
-          </a:stretch>
-        </p:blipFill>
-        <p:spPr>
-          <a:xfrm>
-            <a:off x="4848073" y="2111329"/>
-            <a:ext cx="5595300" cy="4112887"/>
-          </a:xfrm>
-          <a:prstGeom prst="rect">
-            <a:avLst/>
-          </a:prstGeom>
-        </p:spPr>
-      </p:pic>
     </p:spTree>
     <p:extLst>
       <p:ext uri="{BB962C8B-B14F-4D97-AF65-F5344CB8AC3E}">
-        <p14:creationId xmlns:p14="http://schemas.microsoft.com/office/powerpoint/2010/main" val="1202188751"/>
+        <p14:creationId xmlns:p14="http://schemas.microsoft.com/office/powerpoint/2010/main" val="3705060278"/>
       </p:ext>
     </p:extLst>
   </p:cSld>
@@ -3195,70 +3076,10 @@
           <a:chExt cx="0" cy="0"/>
         </a:xfrm>
       </p:grpSpPr>
-      <p:pic>
-        <p:nvPicPr>
-          <p:cNvPr id="2" name="Immagine 2" descr="Immagine che contiene disegnando&#10;&#10;Descrizione generata con affidabilità molto elevata">
-            <a:extLst>
-              <a:ext uri="{FF2B5EF4-FFF2-40B4-BE49-F238E27FC236}">
-                <a16:creationId xmlns:a16="http://schemas.microsoft.com/office/drawing/2014/main" id="{EBD6658E-2FFE-4ECA-8F38-81412BDA0271}"/>
-              </a:ext>
-            </a:extLst>
-          </p:cNvPr>
-          <p:cNvPicPr>
-            <a:picLocks noChangeAspect="1"/>
-          </p:cNvPicPr>
-          <p:nvPr/>
-        </p:nvPicPr>
-        <p:blipFill>
-          <a:blip r:embed="rId3"/>
-          <a:stretch>
-            <a:fillRect/>
-          </a:stretch>
-        </p:blipFill>
-        <p:spPr>
-          <a:xfrm>
-            <a:off x="3026466" y="563057"/>
-            <a:ext cx="6130786" cy="447581"/>
-          </a:xfrm>
-          <a:prstGeom prst="rect">
-            <a:avLst/>
-          </a:prstGeom>
-        </p:spPr>
-      </p:pic>
-      <p:pic>
-        <p:nvPicPr>
-          <p:cNvPr id="3" name="Immagine 3" descr="Immagine che contiene bottiglia, fotografia, tavolo, telefono&#10;&#10;Descrizione generata con affidabilità molto elevata">
-            <a:extLst>
-              <a:ext uri="{FF2B5EF4-FFF2-40B4-BE49-F238E27FC236}">
-                <a16:creationId xmlns:a16="http://schemas.microsoft.com/office/drawing/2014/main" id="{0D4DDE2A-0841-49DA-8EB5-F60AC900C247}"/>
-              </a:ext>
-            </a:extLst>
-          </p:cNvPr>
-          <p:cNvPicPr>
-            <a:picLocks noChangeAspect="1"/>
-          </p:cNvPicPr>
-          <p:nvPr/>
-        </p:nvPicPr>
-        <p:blipFill>
-          <a:blip r:embed="rId4"/>
-          <a:stretch>
-            <a:fillRect/>
-          </a:stretch>
-        </p:blipFill>
-        <p:spPr>
-          <a:xfrm>
-            <a:off x="2115184" y="1829894"/>
-            <a:ext cx="8560126" cy="1823883"/>
-          </a:xfrm>
-          <a:prstGeom prst="rect">
-            <a:avLst/>
-          </a:prstGeom>
-        </p:spPr>
-      </p:pic>
     </p:spTree>
     <p:extLst>
       <p:ext uri="{BB962C8B-B14F-4D97-AF65-F5344CB8AC3E}">
-        <p14:creationId xmlns:p14="http://schemas.microsoft.com/office/powerpoint/2010/main" val="3795610649"/>
+        <p14:creationId xmlns:p14="http://schemas.microsoft.com/office/powerpoint/2010/main" val="1417756016"/>
       </p:ext>
     </p:extLst>
   </p:cSld>
@@ -3296,100 +3117,10 @@
           <a:chExt cx="0" cy="0"/>
         </a:xfrm>
       </p:grpSpPr>
-      <p:pic>
-        <p:nvPicPr>
-          <p:cNvPr id="2" name="Immagine 2" descr="Immagine che contiene disegnando&#10;&#10;Descrizione generata con affidabilità molto elevata">
-            <a:extLst>
-              <a:ext uri="{FF2B5EF4-FFF2-40B4-BE49-F238E27FC236}">
-                <a16:creationId xmlns:a16="http://schemas.microsoft.com/office/drawing/2014/main" id="{12385E03-D2A0-42DE-BEC7-A35396AE8775}"/>
-              </a:ext>
-            </a:extLst>
-          </p:cNvPr>
-          <p:cNvPicPr>
-            <a:picLocks noChangeAspect="1"/>
-          </p:cNvPicPr>
-          <p:nvPr/>
-        </p:nvPicPr>
-        <p:blipFill>
-          <a:blip r:embed="rId3"/>
-          <a:stretch>
-            <a:fillRect/>
-          </a:stretch>
-        </p:blipFill>
-        <p:spPr>
-          <a:xfrm>
-            <a:off x="3109292" y="562494"/>
-            <a:ext cx="5840895" cy="390730"/>
-          </a:xfrm>
-          <a:prstGeom prst="rect">
-            <a:avLst/>
-          </a:prstGeom>
-        </p:spPr>
-      </p:pic>
-      <p:pic>
-        <p:nvPicPr>
-          <p:cNvPr id="3" name="Immagine 3" descr="Immagine che contiene uccello, fiore&#10;&#10;Descrizione generata con affidabilità molto elevata">
-            <a:extLst>
-              <a:ext uri="{FF2B5EF4-FFF2-40B4-BE49-F238E27FC236}">
-                <a16:creationId xmlns:a16="http://schemas.microsoft.com/office/drawing/2014/main" id="{823A7EBC-71F7-4198-9971-88CAA11C7246}"/>
-              </a:ext>
-            </a:extLst>
-          </p:cNvPr>
-          <p:cNvPicPr>
-            <a:picLocks noChangeAspect="1"/>
-          </p:cNvPicPr>
-          <p:nvPr/>
-        </p:nvPicPr>
-        <p:blipFill>
-          <a:blip r:embed="rId4"/>
-          <a:stretch>
-            <a:fillRect/>
-          </a:stretch>
-        </p:blipFill>
-        <p:spPr>
-          <a:xfrm>
-            <a:off x="2645335" y="1876647"/>
-            <a:ext cx="1531887" cy="4114800"/>
-          </a:xfrm>
-          <a:prstGeom prst="rect">
-            <a:avLst/>
-          </a:prstGeom>
-        </p:spPr>
-      </p:pic>
-      <p:pic>
-        <p:nvPicPr>
-          <p:cNvPr id="5" name="Immagine 5" descr="Immagine che contiene interni, tavolo, piccolo, sedendo&#10;&#10;Descrizione generata con affidabilità molto elevata">
-            <a:extLst>
-              <a:ext uri="{FF2B5EF4-FFF2-40B4-BE49-F238E27FC236}">
-                <a16:creationId xmlns:a16="http://schemas.microsoft.com/office/drawing/2014/main" id="{1FF45543-4204-444D-8141-AE53CBC405AB}"/>
-              </a:ext>
-            </a:extLst>
-          </p:cNvPr>
-          <p:cNvPicPr>
-            <a:picLocks noChangeAspect="1"/>
-          </p:cNvPicPr>
-          <p:nvPr/>
-        </p:nvPicPr>
-        <p:blipFill>
-          <a:blip r:embed="rId5"/>
-          <a:stretch>
-            <a:fillRect/>
-          </a:stretch>
-        </p:blipFill>
-        <p:spPr>
-          <a:xfrm>
-            <a:off x="1132183" y="1876647"/>
-            <a:ext cx="1226658" cy="4265427"/>
-          </a:xfrm>
-          <a:prstGeom prst="rect">
-            <a:avLst/>
-          </a:prstGeom>
-        </p:spPr>
-      </p:pic>
     </p:spTree>
     <p:extLst>
       <p:ext uri="{BB962C8B-B14F-4D97-AF65-F5344CB8AC3E}">
-        <p14:creationId xmlns:p14="http://schemas.microsoft.com/office/powerpoint/2010/main" val="3996127796"/>
+        <p14:creationId xmlns:p14="http://schemas.microsoft.com/office/powerpoint/2010/main" val="2383461368"/>
       </p:ext>
     </p:extLst>
   </p:cSld>
